--- a/docs/JavaScript-Promises-Async-Code.pptx
+++ b/docs/JavaScript-Promises-Async-Code.pptx
@@ -107,6 +107,11 @@
       </a:defRPr>
     </a:lvl9pPr>
   </p:defaultTextStyle>
+  <p:extLst>
+    <p:ext uri="{EFAFB233-063F-42B5-8137-9DF3F51BA10A}">
+      <p15:sldGuideLst xmlns:p15="http://schemas.microsoft.com/office/powerpoint/2012/main"/>
+    </p:ext>
+  </p:extLst>
 </p:presentation>
 </file>
 
@@ -265,7 +270,7 @@
           <a:p>
             <a:fld id="{8489F919-2FE4-4A20-A458-F3638CB74A6D}" type="datetimeFigureOut">
               <a:rPr lang="en-US" smtClean="0"/>
-              <a:t>6/6/2022</a:t>
+              <a:t>6/7/2022</a:t>
             </a:fld>
             <a:endParaRPr lang="en-US"/>
           </a:p>
@@ -463,7 +468,7 @@
           <a:p>
             <a:fld id="{8489F919-2FE4-4A20-A458-F3638CB74A6D}" type="datetimeFigureOut">
               <a:rPr lang="en-US" smtClean="0"/>
-              <a:t>6/6/2022</a:t>
+              <a:t>6/7/2022</a:t>
             </a:fld>
             <a:endParaRPr lang="en-US"/>
           </a:p>
@@ -671,7 +676,7 @@
           <a:p>
             <a:fld id="{8489F919-2FE4-4A20-A458-F3638CB74A6D}" type="datetimeFigureOut">
               <a:rPr lang="en-US" smtClean="0"/>
-              <a:t>6/6/2022</a:t>
+              <a:t>6/7/2022</a:t>
             </a:fld>
             <a:endParaRPr lang="en-US"/>
           </a:p>
@@ -869,7 +874,7 @@
           <a:p>
             <a:fld id="{8489F919-2FE4-4A20-A458-F3638CB74A6D}" type="datetimeFigureOut">
               <a:rPr lang="en-US" smtClean="0"/>
-              <a:t>6/6/2022</a:t>
+              <a:t>6/7/2022</a:t>
             </a:fld>
             <a:endParaRPr lang="en-US"/>
           </a:p>
@@ -1144,7 +1149,7 @@
           <a:p>
             <a:fld id="{8489F919-2FE4-4A20-A458-F3638CB74A6D}" type="datetimeFigureOut">
               <a:rPr lang="en-US" smtClean="0"/>
-              <a:t>6/6/2022</a:t>
+              <a:t>6/7/2022</a:t>
             </a:fld>
             <a:endParaRPr lang="en-US"/>
           </a:p>
@@ -1409,7 +1414,7 @@
           <a:p>
             <a:fld id="{8489F919-2FE4-4A20-A458-F3638CB74A6D}" type="datetimeFigureOut">
               <a:rPr lang="en-US" smtClean="0"/>
-              <a:t>6/6/2022</a:t>
+              <a:t>6/7/2022</a:t>
             </a:fld>
             <a:endParaRPr lang="en-US"/>
           </a:p>
@@ -1821,7 +1826,7 @@
           <a:p>
             <a:fld id="{8489F919-2FE4-4A20-A458-F3638CB74A6D}" type="datetimeFigureOut">
               <a:rPr lang="en-US" smtClean="0"/>
-              <a:t>6/6/2022</a:t>
+              <a:t>6/7/2022</a:t>
             </a:fld>
             <a:endParaRPr lang="en-US"/>
           </a:p>
@@ -1962,7 +1967,7 @@
           <a:p>
             <a:fld id="{8489F919-2FE4-4A20-A458-F3638CB74A6D}" type="datetimeFigureOut">
               <a:rPr lang="en-US" smtClean="0"/>
-              <a:t>6/6/2022</a:t>
+              <a:t>6/7/2022</a:t>
             </a:fld>
             <a:endParaRPr lang="en-US"/>
           </a:p>
@@ -2075,7 +2080,7 @@
           <a:p>
             <a:fld id="{8489F919-2FE4-4A20-A458-F3638CB74A6D}" type="datetimeFigureOut">
               <a:rPr lang="en-US" smtClean="0"/>
-              <a:t>6/6/2022</a:t>
+              <a:t>6/7/2022</a:t>
             </a:fld>
             <a:endParaRPr lang="en-US"/>
           </a:p>
@@ -2386,7 +2391,7 @@
           <a:p>
             <a:fld id="{8489F919-2FE4-4A20-A458-F3638CB74A6D}" type="datetimeFigureOut">
               <a:rPr lang="en-US" smtClean="0"/>
-              <a:t>6/6/2022</a:t>
+              <a:t>6/7/2022</a:t>
             </a:fld>
             <a:endParaRPr lang="en-US"/>
           </a:p>
@@ -2674,7 +2679,7 @@
           <a:p>
             <a:fld id="{8489F919-2FE4-4A20-A458-F3638CB74A6D}" type="datetimeFigureOut">
               <a:rPr lang="en-US" smtClean="0"/>
-              <a:t>6/6/2022</a:t>
+              <a:t>6/7/2022</a:t>
             </a:fld>
             <a:endParaRPr lang="en-US"/>
           </a:p>
@@ -2915,7 +2920,7 @@
           <a:p>
             <a:fld id="{8489F919-2FE4-4A20-A458-F3638CB74A6D}" type="datetimeFigureOut">
               <a:rPr lang="en-US" smtClean="0"/>
-              <a:t>6/6/2022</a:t>
+              <a:t>6/7/2022</a:t>
             </a:fld>
             <a:endParaRPr lang="en-US"/>
           </a:p>
@@ -4343,8 +4348,8 @@
         </p:nvSpPr>
         <p:spPr>
           <a:xfrm>
-            <a:off x="925485" y="968093"/>
-            <a:ext cx="10563726" cy="400110"/>
+            <a:off x="626525" y="994268"/>
+            <a:ext cx="11161645" cy="400110"/>
           </a:xfrm>
           <a:prstGeom prst="rect">
             <a:avLst/>
@@ -4359,7 +4364,23 @@
           <a:p>
             <a:r>
               <a:rPr lang="en-US" sz="2000" dirty="0"/>
-              <a:t>“I promise I will be done sometime in the future.  When I’m finished, I will return a resolve or reject”</a:t>
+              <a:t>“I promise sometime in the near future I will be done.  When I’m finished, I will return a </a:t>
+            </a:r>
+            <a:r>
+              <a:rPr lang="en-US" sz="2000" b="1" dirty="0"/>
+              <a:t>resolve</a:t>
+            </a:r>
+            <a:r>
+              <a:rPr lang="en-US" sz="2000" dirty="0"/>
+              <a:t> or </a:t>
+            </a:r>
+            <a:r>
+              <a:rPr lang="en-US" sz="2000" b="1" dirty="0"/>
+              <a:t>reject</a:t>
+            </a:r>
+            <a:r>
+              <a:rPr lang="en-US" sz="2000" dirty="0"/>
+              <a:t>”</a:t>
             </a:r>
           </a:p>
         </p:txBody>
@@ -4420,8 +4441,8 @@
         </p:nvSpPr>
         <p:spPr>
           <a:xfrm>
-            <a:off x="604299" y="2497359"/>
-            <a:ext cx="2128275" cy="1200329"/>
+            <a:off x="402963" y="4027311"/>
+            <a:ext cx="2293385" cy="2677656"/>
           </a:xfrm>
           <a:prstGeom prst="rect">
             <a:avLst/>
@@ -4442,13 +4463,39 @@
           <a:p>
             <a:r>
               <a:rPr lang="en-US" sz="2400" dirty="0"/>
-              <a:t>  .then (resolve)</a:t>
+              <a:t>  .then (resolve) {</a:t>
             </a:r>
           </a:p>
           <a:p>
             <a:r>
               <a:rPr lang="en-US" sz="2400" dirty="0"/>
-              <a:t>  .catch (reject)</a:t>
+              <a:t>    // Handle ok</a:t>
+            </a:r>
+            <a:br>
+              <a:rPr lang="en-US" sz="2400" dirty="0"/>
+            </a:br>
+            <a:r>
+              <a:rPr lang="en-US" sz="2400" dirty="0"/>
+              <a:t>   }</a:t>
+            </a:r>
+          </a:p>
+          <a:p>
+            <a:pPr algn="just"/>
+            <a:r>
+              <a:rPr lang="en-US" sz="2400" dirty="0"/>
+              <a:t>  .catch (reject) {</a:t>
+            </a:r>
+          </a:p>
+          <a:p>
+            <a:r>
+              <a:rPr lang="en-US" sz="2400" dirty="0"/>
+              <a:t>     // Handle fail</a:t>
+            </a:r>
+          </a:p>
+          <a:p>
+            <a:r>
+              <a:rPr lang="en-US" sz="2400" dirty="0"/>
+              <a:t>   }</a:t>
             </a:r>
           </a:p>
         </p:txBody>
@@ -4509,8 +4556,8 @@
         </p:nvSpPr>
         <p:spPr>
           <a:xfrm>
-            <a:off x="3692027" y="4489523"/>
-            <a:ext cx="2370777" cy="1200329"/>
+            <a:off x="3273607" y="4531468"/>
+            <a:ext cx="4547848" cy="1200329"/>
           </a:xfrm>
           <a:prstGeom prst="rect">
             <a:avLst/>
@@ -4524,20 +4571,28 @@
           <a:lstStyle/>
           <a:p>
             <a:r>
+              <a:rPr lang="en-US" sz="2400" b="1" dirty="0"/>
+              <a:t>Resolve</a:t>
+            </a:r>
+            <a:r>
               <a:rPr lang="en-US" sz="2400" dirty="0"/>
-              <a:t>Resolve = success</a:t>
+              <a:t> = success = OK</a:t>
             </a:r>
           </a:p>
           <a:p>
             <a:r>
               <a:rPr lang="en-US" sz="2400" dirty="0"/>
-              <a:t>             or</a:t>
-            </a:r>
-          </a:p>
-          <a:p>
+              <a:t>                      or</a:t>
+            </a:r>
+          </a:p>
+          <a:p>
+            <a:r>
+              <a:rPr lang="en-US" sz="2400" b="1" dirty="0"/>
+              <a:t>Reject </a:t>
+            </a:r>
             <a:r>
               <a:rPr lang="en-US" sz="2400" dirty="0"/>
-              <a:t>  Reject = failure</a:t>
+              <a:t>= failure = Invalid Password</a:t>
             </a:r>
           </a:p>
         </p:txBody>
@@ -4586,6 +4641,41 @@
           </a:fontRef>
         </p:style>
       </p:cxnSp>
+      <p:sp>
+        <p:nvSpPr>
+          <p:cNvPr id="13" name="TextBox 12">
+            <a:extLst>
+              <a:ext uri="{FF2B5EF4-FFF2-40B4-BE49-F238E27FC236}">
+                <a16:creationId xmlns:a16="http://schemas.microsoft.com/office/drawing/2014/main" id="{3521660A-FE27-7597-8627-9CF40A97BD2D}"/>
+              </a:ext>
+            </a:extLst>
+          </p:cNvPr>
+          <p:cNvSpPr txBox="1"/>
+          <p:nvPr/>
+        </p:nvSpPr>
+        <p:spPr>
+          <a:xfrm>
+            <a:off x="4177734" y="1630439"/>
+            <a:ext cx="793807" cy="461665"/>
+          </a:xfrm>
+          <a:prstGeom prst="rect">
+            <a:avLst/>
+          </a:prstGeom>
+          <a:noFill/>
+        </p:spPr>
+        <p:txBody>
+          <a:bodyPr wrap="none" rtlCol="0">
+            <a:spAutoFit/>
+          </a:bodyPr>
+          <a:lstStyle/>
+          <a:p>
+            <a:r>
+              <a:rPr lang="en-US" sz="2400" dirty="0"/>
+              <a:t>login</a:t>
+            </a:r>
+          </a:p>
+        </p:txBody>
+      </p:sp>
     </p:spTree>
     <p:extLst>
       <p:ext uri="{BB962C8B-B14F-4D97-AF65-F5344CB8AC3E}">
@@ -4782,41 +4872,6 @@
           </a:p>
         </p:txBody>
       </p:sp>
-      <p:sp>
-        <p:nvSpPr>
-          <p:cNvPr id="15" name="TextBox 14">
-            <a:extLst>
-              <a:ext uri="{FF2B5EF4-FFF2-40B4-BE49-F238E27FC236}">
-                <a16:creationId xmlns:a16="http://schemas.microsoft.com/office/drawing/2014/main" id="{9F783017-9A52-3312-EFFB-6946AEAA1A49}"/>
-              </a:ext>
-            </a:extLst>
-          </p:cNvPr>
-          <p:cNvSpPr txBox="1"/>
-          <p:nvPr/>
-        </p:nvSpPr>
-        <p:spPr>
-          <a:xfrm>
-            <a:off x="925485" y="968093"/>
-            <a:ext cx="10563726" cy="400110"/>
-          </a:xfrm>
-          <a:prstGeom prst="rect">
-            <a:avLst/>
-          </a:prstGeom>
-          <a:noFill/>
-        </p:spPr>
-        <p:txBody>
-          <a:bodyPr wrap="none" rtlCol="0">
-            <a:spAutoFit/>
-          </a:bodyPr>
-          <a:lstStyle/>
-          <a:p>
-            <a:r>
-              <a:rPr lang="en-US" sz="2000" dirty="0"/>
-              <a:t>“I promise I will be done sometime in the future.  When I’m finished, I will return a resolve or reject”</a:t>
-            </a:r>
-          </a:p>
-        </p:txBody>
-      </p:sp>
       <p:cxnSp>
         <p:nvCxnSpPr>
           <p:cNvPr id="11" name="Straight Connector 10">
@@ -4963,7 +5018,7 @@
         </p:nvSpPr>
         <p:spPr>
           <a:xfrm>
-            <a:off x="2497127" y="1388207"/>
+            <a:off x="2497127" y="1377228"/>
             <a:ext cx="908454" cy="461665"/>
           </a:xfrm>
           <a:prstGeom prst="rect">
@@ -5046,7 +5101,7 @@
         </p:nvSpPr>
         <p:spPr>
           <a:xfrm>
-            <a:off x="548186" y="3285858"/>
+            <a:off x="478626" y="3285849"/>
             <a:ext cx="2018501" cy="1938992"/>
           </a:xfrm>
           <a:prstGeom prst="rect">
@@ -5105,6 +5160,57 @@
                 <a:latin typeface="Consolas" panose="020B0609020204030204" pitchFamily="49" charset="0"/>
               </a:rPr>
               <a:t>}</a:t>
+            </a:r>
+          </a:p>
+        </p:txBody>
+      </p:sp>
+      <p:sp>
+        <p:nvSpPr>
+          <p:cNvPr id="17" name="TextBox 16">
+            <a:extLst>
+              <a:ext uri="{FF2B5EF4-FFF2-40B4-BE49-F238E27FC236}">
+                <a16:creationId xmlns:a16="http://schemas.microsoft.com/office/drawing/2014/main" id="{64AD73CE-C0B6-CDE1-E98E-445A76A4224C}"/>
+              </a:ext>
+            </a:extLst>
+          </p:cNvPr>
+          <p:cNvSpPr txBox="1"/>
+          <p:nvPr/>
+        </p:nvSpPr>
+        <p:spPr>
+          <a:xfrm>
+            <a:off x="626525" y="994268"/>
+            <a:ext cx="11161645" cy="400110"/>
+          </a:xfrm>
+          <a:prstGeom prst="rect">
+            <a:avLst/>
+          </a:prstGeom>
+          <a:noFill/>
+        </p:spPr>
+        <p:txBody>
+          <a:bodyPr wrap="none" rtlCol="0">
+            <a:spAutoFit/>
+          </a:bodyPr>
+          <a:lstStyle/>
+          <a:p>
+            <a:r>
+              <a:rPr lang="en-US" sz="2000" dirty="0"/>
+              <a:t>“I promise sometime in the near future I will be done.  When I’m finished, I will return a </a:t>
+            </a:r>
+            <a:r>
+              <a:rPr lang="en-US" sz="2000" b="1" dirty="0"/>
+              <a:t>resolve</a:t>
+            </a:r>
+            <a:r>
+              <a:rPr lang="en-US" sz="2000" dirty="0"/>
+              <a:t> or </a:t>
+            </a:r>
+            <a:r>
+              <a:rPr lang="en-US" sz="2000" b="1" dirty="0"/>
+              <a:t>reject</a:t>
+            </a:r>
+            <a:r>
+              <a:rPr lang="en-US" sz="2000" dirty="0"/>
+              <a:t>”</a:t>
             </a:r>
           </a:p>
         </p:txBody>
